--- a/docs/Apresentação Cadastro de Produtos.pptx
+++ b/docs/Apresentação Cadastro de Produtos.pptx
@@ -1674,8 +1674,8 @@
         </p:nvSpPr>
         <p:spPr>
           <a:xfrm>
-            <a:off x="2857500" y="512763"/>
-            <a:ext cx="3429000" cy="2566987"/>
+            <a:off x="2290763" y="512763"/>
+            <a:ext cx="4562475" cy="2566987"/>
           </a:xfrm>
           <a:prstGeom prst="rect">
             <a:avLst/>
@@ -2749,8 +2749,8 @@
         </p:nvSpPr>
         <p:spPr>
           <a:xfrm>
-            <a:off x="2857500" y="512763"/>
-            <a:ext cx="3429000" cy="2566987"/>
+            <a:off x="2290763" y="512763"/>
+            <a:ext cx="4562475" cy="2566987"/>
           </a:xfrm>
           <a:prstGeom prst="rect">
             <a:avLst/>
@@ -13939,7 +13939,7 @@
         </p:nvGraphicFramePr>
         <p:xfrm>
           <a:off x="857250" y="3741986"/>
-          <a:ext cx="16535400" cy="4762500"/>
+          <a:ext cx="16535401" cy="4762500"/>
         </p:xfrm>
         <a:graphic>
           <a:graphicData uri="http://schemas.openxmlformats.org/drawingml/2006/table">
@@ -29135,15 +29135,15 @@
         </p:nvSpPr>
         <p:spPr>
           <a:xfrm>
-            <a:off x="5193506" y="6316436"/>
-            <a:ext cx="8609580" cy="794697"/>
+            <a:off x="5345248" y="6179347"/>
+            <a:ext cx="7597503" cy="550087"/>
           </a:xfrm>
           <a:prstGeom prst="rect">
             <a:avLst/>
           </a:prstGeom>
         </p:spPr>
         <p:txBody>
-          <a:bodyPr lIns="0" tIns="0" rIns="0" bIns="0" rtlCol="0" anchor="t">
+          <a:bodyPr wrap="square" lIns="0" tIns="0" rIns="0" bIns="0" rtlCol="0" anchor="t">
             <a:spAutoFit/>
           </a:bodyPr>
           <a:lstStyle/>
@@ -29154,7 +29154,7 @@
               </a:lnSpc>
             </a:pPr>
             <a:r>
-              <a:rPr lang="en-US" sz="2700">
+              <a:rPr lang="en-US" sz="2700" dirty="0" err="1">
                 <a:solidFill>
                   <a:srgbClr val="CBD5E1"/>
                 </a:solidFill>
@@ -29163,7 +29163,19 @@
                 <a:cs typeface="Arimo"/>
                 <a:sym typeface="Arimo"/>
               </a:rPr>
-              <a:t>Demonstração dos Endpoints no Insomnia / Isonomia</a:t>
+              <a:t>Demonstração</a:t>
+            </a:r>
+            <a:r>
+              <a:rPr lang="en-US" sz="2700" dirty="0">
+                <a:solidFill>
+                  <a:srgbClr val="CBD5E1"/>
+                </a:solidFill>
+                <a:latin typeface="Arimo"/>
+                <a:ea typeface="Arimo"/>
+                <a:cs typeface="Arimo"/>
+                <a:sym typeface="Arimo"/>
+              </a:rPr>
+              <a:t> dos Endpoints</a:t>
             </a:r>
           </a:p>
         </p:txBody>
